--- a/Soil_Fert_N_Crop_Uptake/Preplant and topdress soil and fert uptake.pptx
+++ b/Soil_Fert_N_Crop_Uptake/Preplant and topdress soil and fert uptake.pptx
@@ -255,7 +255,7 @@
           <a:p>
             <a:fld id="{50C8B970-003B-4574-94E2-3543F885676A}" type="datetimeFigureOut">
               <a:rPr lang="en-SG" smtClean="0"/>
-              <a:t>7/10/2024</a:t>
+              <a:t>14/10/2024</a:t>
             </a:fld>
             <a:endParaRPr lang="en-SG"/>
           </a:p>
@@ -425,7 +425,7 @@
           <a:p>
             <a:fld id="{50C8B970-003B-4574-94E2-3543F885676A}" type="datetimeFigureOut">
               <a:rPr lang="en-SG" smtClean="0"/>
-              <a:t>7/10/2024</a:t>
+              <a:t>14/10/2024</a:t>
             </a:fld>
             <a:endParaRPr lang="en-SG"/>
           </a:p>
@@ -605,7 +605,7 @@
           <a:p>
             <a:fld id="{50C8B970-003B-4574-94E2-3543F885676A}" type="datetimeFigureOut">
               <a:rPr lang="en-SG" smtClean="0"/>
-              <a:t>7/10/2024</a:t>
+              <a:t>14/10/2024</a:t>
             </a:fld>
             <a:endParaRPr lang="en-SG"/>
           </a:p>
@@ -775,7 +775,7 @@
           <a:p>
             <a:fld id="{50C8B970-003B-4574-94E2-3543F885676A}" type="datetimeFigureOut">
               <a:rPr lang="en-SG" smtClean="0"/>
-              <a:t>7/10/2024</a:t>
+              <a:t>14/10/2024</a:t>
             </a:fld>
             <a:endParaRPr lang="en-SG"/>
           </a:p>
@@ -1021,7 +1021,7 @@
           <a:p>
             <a:fld id="{50C8B970-003B-4574-94E2-3543F885676A}" type="datetimeFigureOut">
               <a:rPr lang="en-SG" smtClean="0"/>
-              <a:t>7/10/2024</a:t>
+              <a:t>14/10/2024</a:t>
             </a:fld>
             <a:endParaRPr lang="en-SG"/>
           </a:p>
@@ -1253,7 +1253,7 @@
           <a:p>
             <a:fld id="{50C8B970-003B-4574-94E2-3543F885676A}" type="datetimeFigureOut">
               <a:rPr lang="en-SG" smtClean="0"/>
-              <a:t>7/10/2024</a:t>
+              <a:t>14/10/2024</a:t>
             </a:fld>
             <a:endParaRPr lang="en-SG"/>
           </a:p>
@@ -1620,7 +1620,7 @@
           <a:p>
             <a:fld id="{50C8B970-003B-4574-94E2-3543F885676A}" type="datetimeFigureOut">
               <a:rPr lang="en-SG" smtClean="0"/>
-              <a:t>7/10/2024</a:t>
+              <a:t>14/10/2024</a:t>
             </a:fld>
             <a:endParaRPr lang="en-SG"/>
           </a:p>
@@ -1738,7 +1738,7 @@
           <a:p>
             <a:fld id="{50C8B970-003B-4574-94E2-3543F885676A}" type="datetimeFigureOut">
               <a:rPr lang="en-SG" smtClean="0"/>
-              <a:t>7/10/2024</a:t>
+              <a:t>14/10/2024</a:t>
             </a:fld>
             <a:endParaRPr lang="en-SG"/>
           </a:p>
@@ -1833,7 +1833,7 @@
           <a:p>
             <a:fld id="{50C8B970-003B-4574-94E2-3543F885676A}" type="datetimeFigureOut">
               <a:rPr lang="en-SG" smtClean="0"/>
-              <a:t>7/10/2024</a:t>
+              <a:t>14/10/2024</a:t>
             </a:fld>
             <a:endParaRPr lang="en-SG"/>
           </a:p>
@@ -2110,7 +2110,7 @@
           <a:p>
             <a:fld id="{50C8B970-003B-4574-94E2-3543F885676A}" type="datetimeFigureOut">
               <a:rPr lang="en-SG" smtClean="0"/>
-              <a:t>7/10/2024</a:t>
+              <a:t>14/10/2024</a:t>
             </a:fld>
             <a:endParaRPr lang="en-SG"/>
           </a:p>
@@ -2363,7 +2363,7 @@
           <a:p>
             <a:fld id="{50C8B970-003B-4574-94E2-3543F885676A}" type="datetimeFigureOut">
               <a:rPr lang="en-SG" smtClean="0"/>
-              <a:t>7/10/2024</a:t>
+              <a:t>14/10/2024</a:t>
             </a:fld>
             <a:endParaRPr lang="en-SG"/>
           </a:p>
@@ -2576,7 +2576,7 @@
           <a:p>
             <a:fld id="{50C8B970-003B-4574-94E2-3543F885676A}" type="datetimeFigureOut">
               <a:rPr lang="en-SG" smtClean="0"/>
-              <a:t>7/10/2024</a:t>
+              <a:t>14/10/2024</a:t>
             </a:fld>
             <a:endParaRPr lang="en-SG"/>
           </a:p>
@@ -2981,36 +2981,6 @@
           <a:chExt cx="0" cy="0"/>
         </a:xfrm>
       </p:grpSpPr>
-      <p:pic>
-        <p:nvPicPr>
-          <p:cNvPr id="8" name="Picture 7"/>
-          <p:cNvPicPr>
-            <a:picLocks noChangeAspect="1"/>
-          </p:cNvPicPr>
-          <p:nvPr/>
-        </p:nvPicPr>
-        <p:blipFill>
-          <a:blip r:embed="rId2" cstate="print">
-            <a:extLst>
-              <a:ext uri="{28A0092B-C50C-407E-A947-70E740481C1C}">
-                <a14:useLocalDpi xmlns:a14="http://schemas.microsoft.com/office/drawing/2010/main" val="0"/>
-              </a:ext>
-            </a:extLst>
-          </a:blip>
-          <a:stretch>
-            <a:fillRect/>
-          </a:stretch>
-        </p:blipFill>
-        <p:spPr>
-          <a:xfrm>
-            <a:off x="0" y="365760"/>
-            <a:ext cx="8169332" cy="6126480"/>
-          </a:xfrm>
-          <a:prstGeom prst="rect">
-            <a:avLst/>
-          </a:prstGeom>
-        </p:spPr>
-      </p:pic>
       <p:sp>
         <p:nvSpPr>
           <p:cNvPr id="2" name="Rectangle 1"/>
@@ -3061,7 +3031,37 @@
       </p:sp>
       <p:pic>
         <p:nvPicPr>
-          <p:cNvPr id="10" name="Picture 9"/>
+          <p:cNvPr id="3" name="Picture 2"/>
+          <p:cNvPicPr>
+            <a:picLocks noChangeAspect="1"/>
+          </p:cNvPicPr>
+          <p:nvPr/>
+        </p:nvPicPr>
+        <p:blipFill>
+          <a:blip r:embed="rId2" cstate="print">
+            <a:extLst>
+              <a:ext uri="{28A0092B-C50C-407E-A947-70E740481C1C}">
+                <a14:useLocalDpi xmlns:a14="http://schemas.microsoft.com/office/drawing/2010/main" val="0"/>
+              </a:ext>
+            </a:extLst>
+          </a:blip>
+          <a:stretch>
+            <a:fillRect/>
+          </a:stretch>
+        </p:blipFill>
+        <p:spPr>
+          <a:xfrm>
+            <a:off x="0" y="365760"/>
+            <a:ext cx="8169331" cy="6126480"/>
+          </a:xfrm>
+          <a:prstGeom prst="rect">
+            <a:avLst/>
+          </a:prstGeom>
+        </p:spPr>
+      </p:pic>
+      <p:pic>
+        <p:nvPicPr>
+          <p:cNvPr id="4" name="Picture 3"/>
           <p:cNvPicPr>
             <a:picLocks noChangeAspect="1"/>
           </p:cNvPicPr>
@@ -3075,13 +3075,13 @@
               </a:ext>
             </a:extLst>
           </a:blip>
-          <a:srcRect r="26477"/>
+          <a:srcRect r="26602"/>
           <a:stretch/>
         </p:blipFill>
         <p:spPr>
           <a:xfrm>
-            <a:off x="6028268" y="365760"/>
-            <a:ext cx="6006353" cy="6126480"/>
+            <a:off x="6027658" y="365760"/>
+            <a:ext cx="5996067" cy="6126480"/>
           </a:xfrm>
           <a:prstGeom prst="rect">
             <a:avLst/>
@@ -3156,7 +3156,7 @@
       </p:grpSpPr>
       <p:pic>
         <p:nvPicPr>
-          <p:cNvPr id="2" name="Picture 1"/>
+          <p:cNvPr id="4" name="Picture 3"/>
           <p:cNvPicPr>
             <a:picLocks noChangeAspect="1"/>
           </p:cNvPicPr>
@@ -3186,7 +3186,7 @@
       </p:pic>
       <p:pic>
         <p:nvPicPr>
-          <p:cNvPr id="3" name="Picture 2"/>
+          <p:cNvPr id="5" name="Picture 4"/>
           <p:cNvPicPr>
             <a:picLocks noChangeAspect="1"/>
           </p:cNvPicPr>
@@ -3200,13 +3200,13 @@
               </a:ext>
             </a:extLst>
           </a:blip>
-          <a:srcRect r="26244"/>
+          <a:srcRect r="26358"/>
           <a:stretch/>
         </p:blipFill>
         <p:spPr>
           <a:xfrm>
-            <a:off x="6021526" y="365760"/>
-            <a:ext cx="6026541" cy="6126480"/>
+            <a:off x="6035457" y="365760"/>
+            <a:ext cx="6017206" cy="6126480"/>
           </a:xfrm>
           <a:prstGeom prst="rect">
             <a:avLst/>
